--- a/Prj_03/City_JSON.pptx
+++ b/Prj_03/City_JSON.pptx
@@ -273,7 +273,7 @@
           <a:p>
             <a:fld id="{58BC8326-6227-4FBE-9422-7F663EE8D68A}" type="datetimeFigureOut">
               <a:rPr lang="en-US" smtClean="0"/>
-              <a:t>3/7/2024</a:t>
+              <a:t>3/11/2024</a:t>
             </a:fld>
             <a:endParaRPr lang="en-US"/>
           </a:p>
@@ -471,7 +471,7 @@
           <a:p>
             <a:fld id="{58BC8326-6227-4FBE-9422-7F663EE8D68A}" type="datetimeFigureOut">
               <a:rPr lang="en-US" smtClean="0"/>
-              <a:t>3/7/2024</a:t>
+              <a:t>3/11/2024</a:t>
             </a:fld>
             <a:endParaRPr lang="en-US"/>
           </a:p>
@@ -679,7 +679,7 @@
           <a:p>
             <a:fld id="{58BC8326-6227-4FBE-9422-7F663EE8D68A}" type="datetimeFigureOut">
               <a:rPr lang="en-US" smtClean="0"/>
-              <a:t>3/7/2024</a:t>
+              <a:t>3/11/2024</a:t>
             </a:fld>
             <a:endParaRPr lang="en-US"/>
           </a:p>
@@ -877,7 +877,7 @@
           <a:p>
             <a:fld id="{58BC8326-6227-4FBE-9422-7F663EE8D68A}" type="datetimeFigureOut">
               <a:rPr lang="en-US" smtClean="0"/>
-              <a:t>3/7/2024</a:t>
+              <a:t>3/11/2024</a:t>
             </a:fld>
             <a:endParaRPr lang="en-US"/>
           </a:p>
@@ -1152,7 +1152,7 @@
           <a:p>
             <a:fld id="{58BC8326-6227-4FBE-9422-7F663EE8D68A}" type="datetimeFigureOut">
               <a:rPr lang="en-US" smtClean="0"/>
-              <a:t>3/7/2024</a:t>
+              <a:t>3/11/2024</a:t>
             </a:fld>
             <a:endParaRPr lang="en-US"/>
           </a:p>
@@ -1417,7 +1417,7 @@
           <a:p>
             <a:fld id="{58BC8326-6227-4FBE-9422-7F663EE8D68A}" type="datetimeFigureOut">
               <a:rPr lang="en-US" smtClean="0"/>
-              <a:t>3/7/2024</a:t>
+              <a:t>3/11/2024</a:t>
             </a:fld>
             <a:endParaRPr lang="en-US"/>
           </a:p>
@@ -1829,7 +1829,7 @@
           <a:p>
             <a:fld id="{58BC8326-6227-4FBE-9422-7F663EE8D68A}" type="datetimeFigureOut">
               <a:rPr lang="en-US" smtClean="0"/>
-              <a:t>3/7/2024</a:t>
+              <a:t>3/11/2024</a:t>
             </a:fld>
             <a:endParaRPr lang="en-US"/>
           </a:p>
@@ -1970,7 +1970,7 @@
           <a:p>
             <a:fld id="{58BC8326-6227-4FBE-9422-7F663EE8D68A}" type="datetimeFigureOut">
               <a:rPr lang="en-US" smtClean="0"/>
-              <a:t>3/7/2024</a:t>
+              <a:t>3/11/2024</a:t>
             </a:fld>
             <a:endParaRPr lang="en-US"/>
           </a:p>
@@ -2083,7 +2083,7 @@
           <a:p>
             <a:fld id="{58BC8326-6227-4FBE-9422-7F663EE8D68A}" type="datetimeFigureOut">
               <a:rPr lang="en-US" smtClean="0"/>
-              <a:t>3/7/2024</a:t>
+              <a:t>3/11/2024</a:t>
             </a:fld>
             <a:endParaRPr lang="en-US"/>
           </a:p>
@@ -2394,7 +2394,7 @@
           <a:p>
             <a:fld id="{58BC8326-6227-4FBE-9422-7F663EE8D68A}" type="datetimeFigureOut">
               <a:rPr lang="en-US" smtClean="0"/>
-              <a:t>3/7/2024</a:t>
+              <a:t>3/11/2024</a:t>
             </a:fld>
             <a:endParaRPr lang="en-US"/>
           </a:p>
@@ -2682,7 +2682,7 @@
           <a:p>
             <a:fld id="{58BC8326-6227-4FBE-9422-7F663EE8D68A}" type="datetimeFigureOut">
               <a:rPr lang="en-US" smtClean="0"/>
-              <a:t>3/7/2024</a:t>
+              <a:t>3/11/2024</a:t>
             </a:fld>
             <a:endParaRPr lang="en-US"/>
           </a:p>
@@ -2923,7 +2923,7 @@
           <a:p>
             <a:fld id="{58BC8326-6227-4FBE-9422-7F663EE8D68A}" type="datetimeFigureOut">
               <a:rPr lang="en-US" smtClean="0"/>
-              <a:t>3/7/2024</a:t>
+              <a:t>3/11/2024</a:t>
             </a:fld>
             <a:endParaRPr lang="en-US"/>
           </a:p>
@@ -4860,7 +4860,22 @@
                 <a:latin typeface="IRANSans UltraLight" panose="020B0506030804020204" pitchFamily="34" charset="-78"/>
                 <a:cs typeface="IRANSans UltraLight" panose="020B0506030804020204" pitchFamily="34" charset="-78"/>
               </a:rPr>
-              <a:t>ارائه یک فرمت فشرده و دوست‌دار توسعه‌دهنده است، </a:t>
+              <a:t>ارائه یک فرمت فشرده و دوست‌دار</a:t>
+            </a:r>
+            <a:r>
+              <a:rPr lang="fa-IR" sz="2400" dirty="0">
+                <a:latin typeface="IRANSans UltraLight" panose="020B0506030804020204" pitchFamily="34" charset="-78"/>
+                <a:cs typeface="IRANSans UltraLight" panose="020B0506030804020204" pitchFamily="34" charset="-78"/>
+              </a:rPr>
+              <a:t>ِ</a:t>
+            </a:r>
+            <a:r>
+              <a:rPr lang="fa-IR" sz="2400" b="0" i="0" dirty="0">
+                <a:effectLst/>
+                <a:latin typeface="IRANSans UltraLight" panose="020B0506030804020204" pitchFamily="34" charset="-78"/>
+                <a:cs typeface="IRANSans UltraLight" panose="020B0506030804020204" pitchFamily="34" charset="-78"/>
+              </a:rPr>
+              <a:t> توسعه‌دهنده است، </a:t>
             </a:r>
             <a:r>
               <a:rPr lang="fa-IR" sz="2000" b="0" i="0" dirty="0">
@@ -4868,7 +4883,7 @@
                 <a:latin typeface="IRANSans UltraLight" panose="020B0506030804020204" pitchFamily="34" charset="-78"/>
                 <a:cs typeface="IRANSans UltraLight" panose="020B0506030804020204" pitchFamily="34" charset="-78"/>
               </a:rPr>
-              <a:t>تا فایل‌ها به راحتی قابل مشاهده، دستکاری و ویرایش باشند. </a:t>
+              <a:t>تا فایل‌ها به راحتی مشاهده، دستکاری و ویرایش شوند. </a:t>
             </a:r>
           </a:p>
           <a:p>
@@ -4887,7 +4902,7 @@
                 <a:latin typeface="IRANSans UltraLight" panose="020B0506030804020204" pitchFamily="34" charset="-78"/>
                 <a:cs typeface="IRANSans UltraLight" panose="020B0506030804020204" pitchFamily="34" charset="-78"/>
               </a:rPr>
-              <a:t>این به ذهن برنامه‌نویسان طراحی شده است، تا ابزارها و </a:t>
+              <a:t>برای ذهن برنامه‌نویسان طراحی شده است، تا ابزارها و </a:t>
             </a:r>
             <a:r>
               <a:rPr lang="en-US" sz="2000" b="0" i="0" dirty="0">
@@ -4919,7 +4934,7 @@
                 <a:latin typeface="IRANSans UltraLight" panose="020B0506030804020204" pitchFamily="34" charset="-78"/>
                 <a:cs typeface="IRANSans UltraLight" panose="020B0506030804020204" pitchFamily="34" charset="-78"/>
               </a:rPr>
-              <a:t>هایی که آن را پشتیبانی می‌کنند به سرعت ایجاد شود، و چندین ابزار در دسترس است </a:t>
+              <a:t>هایی که آن را پشتیبانی می‌کنند به سرعت ایجاد شود، </a:t>
             </a:r>
             <a:r>
               <a:rPr lang="fa-IR" sz="1600" b="0" i="0" dirty="0">
@@ -4927,16 +4942,45 @@
                 <a:latin typeface="IRANSans UltraLight" panose="020B0506030804020204" pitchFamily="34" charset="-78"/>
                 <a:cs typeface="IRANSans UltraLight" panose="020B0506030804020204" pitchFamily="34" charset="-78"/>
               </a:rPr>
-              <a:t>(بیشتر به عنوان منبع باز)</a:t>
-            </a:r>
-            <a:r>
-              <a:rPr lang="fa-IR" sz="2000" b="0" i="0" dirty="0">
+              <a:t>ابزارهای مشهور و معروف زیادی در دسترس است </a:t>
+            </a:r>
+            <a:r>
+              <a:rPr lang="fa-IR" sz="1200" b="0" i="0" dirty="0">
+                <a:effectLst/>
+                <a:latin typeface="IRANSans UltraLight" panose="020B0506030804020204" pitchFamily="34" charset="-78"/>
+                <a:cs typeface="IRANSans UltraLight" panose="020B0506030804020204" pitchFamily="34" charset="-78"/>
+              </a:rPr>
+              <a:t>(بیشتر به عنوان </a:t>
+            </a:r>
+            <a:r>
+              <a:rPr lang="en-US" sz="1200" b="0" i="0" dirty="0">
+                <a:effectLst/>
+                <a:latin typeface="IRANSans UltraLight" panose="020B0506030804020204" pitchFamily="34" charset="-78"/>
+                <a:cs typeface="IRANSans UltraLight" panose="020B0506030804020204" pitchFamily="34" charset="-78"/>
+              </a:rPr>
+              <a:t>Open Source</a:t>
+            </a:r>
+            <a:r>
+              <a:rPr lang="fa-IR" sz="1200" b="0" i="0" dirty="0">
+                <a:effectLst/>
+                <a:latin typeface="IRANSans UltraLight" panose="020B0506030804020204" pitchFamily="34" charset="-78"/>
+                <a:cs typeface="IRANSans UltraLight" panose="020B0506030804020204" pitchFamily="34" charset="-78"/>
+              </a:rPr>
+              <a:t>)</a:t>
+            </a:r>
+            <a:r>
+              <a:rPr lang="fa-IR" sz="1600" b="0" i="0" dirty="0">
                 <a:effectLst/>
                 <a:latin typeface="IRANSans UltraLight" panose="020B0506030804020204" pitchFamily="34" charset="-78"/>
                 <a:cs typeface="IRANSans UltraLight" panose="020B0506030804020204" pitchFamily="34" charset="-78"/>
               </a:rPr>
               <a:t>.</a:t>
             </a:r>
+            <a:endParaRPr lang="fa-IR" sz="2000" b="0" i="0" dirty="0">
+              <a:effectLst/>
+              <a:latin typeface="IRANSans UltraLight" panose="020B0506030804020204" pitchFamily="34" charset="-78"/>
+              <a:cs typeface="IRANSans UltraLight" panose="020B0506030804020204" pitchFamily="34" charset="-78"/>
+            </a:endParaRPr>
           </a:p>
         </p:txBody>
       </p:sp>
@@ -5378,7 +5422,7 @@
         </p:nvSpPr>
         <p:spPr>
           <a:xfrm>
-            <a:off x="1174954" y="1968549"/>
+            <a:off x="1174954" y="2183993"/>
             <a:ext cx="9842091" cy="2185214"/>
           </a:xfrm>
           <a:prstGeom prst="rect">
@@ -5817,7 +5861,7 @@
         </p:nvSpPr>
         <p:spPr>
           <a:xfrm>
-            <a:off x="1174954" y="2183993"/>
+            <a:off x="1165122" y="2183993"/>
             <a:ext cx="9842091" cy="2185214"/>
           </a:xfrm>
           <a:prstGeom prst="rect">
@@ -6332,7 +6376,22 @@
                 <a:latin typeface="IRANSans UltraLight" panose="020B0506030804020204" pitchFamily="34" charset="-78"/>
                 <a:cs typeface="IRANSans UltraLight" panose="020B0506030804020204" pitchFamily="34" charset="-78"/>
               </a:rPr>
-              <a:t>شما به آسانی می‌توانید افزونه‌ها را به مدل اصلی تعریف کرد.</a:t>
+              <a:t>به آسانی می‌توان افزونه‌ها</a:t>
+            </a:r>
+            <a:r>
+              <a:rPr lang="fa-IR" sz="2000" dirty="0">
+                <a:latin typeface="IRANSans UltraLight" panose="020B0506030804020204" pitchFamily="34" charset="-78"/>
+                <a:cs typeface="IRANSans UltraLight" panose="020B0506030804020204" pitchFamily="34" charset="-78"/>
+              </a:rPr>
+              <a:t>یی</a:t>
+            </a:r>
+            <a:r>
+              <a:rPr lang="fa-IR" sz="2000" b="0" i="0" dirty="0">
+                <a:effectLst/>
+                <a:latin typeface="IRANSans UltraLight" panose="020B0506030804020204" pitchFamily="34" charset="-78"/>
+                <a:cs typeface="IRANSans UltraLight" panose="020B0506030804020204" pitchFamily="34" charset="-78"/>
+              </a:rPr>
+              <a:t> را به مدل اصلی اضافه کرد.</a:t>
             </a:r>
           </a:p>
           <a:p>
@@ -6343,7 +6402,7 @@
                 <a:latin typeface="IRANSans UltraLight" panose="020B0506030804020204" pitchFamily="34" charset="-78"/>
                 <a:cs typeface="IRANSans UltraLight" panose="020B0506030804020204" pitchFamily="34" charset="-78"/>
               </a:rPr>
-              <a:t>- توسعه آن در </a:t>
+              <a:t>-  توسعه آن در </a:t>
             </a:r>
             <a:r>
               <a:rPr lang="en-US" sz="2000" b="0" i="0" dirty="0">
@@ -6359,7 +6418,7 @@
                 <a:latin typeface="IRANSans UltraLight" panose="020B0506030804020204" pitchFamily="34" charset="-78"/>
                 <a:cs typeface="IRANSans UltraLight" panose="020B0506030804020204" pitchFamily="34" charset="-78"/>
               </a:rPr>
-              <a:t> باز است، از طریق یک جامعه پویا پشتیبانی می‌شود</a:t>
+              <a:t> باز است؛ از طریق یک جامعه پویا پشتیبانی می‌شود</a:t>
             </a:r>
           </a:p>
           <a:p>

--- a/Prj_03/City_JSON.pptx
+++ b/Prj_03/City_JSON.pptx
@@ -273,7 +273,7 @@
           <a:p>
             <a:fld id="{58BC8326-6227-4FBE-9422-7F663EE8D68A}" type="datetimeFigureOut">
               <a:rPr lang="en-US" smtClean="0"/>
-              <a:t>3/11/2024</a:t>
+              <a:t>3/16/2024</a:t>
             </a:fld>
             <a:endParaRPr lang="en-US"/>
           </a:p>
@@ -471,7 +471,7 @@
           <a:p>
             <a:fld id="{58BC8326-6227-4FBE-9422-7F663EE8D68A}" type="datetimeFigureOut">
               <a:rPr lang="en-US" smtClean="0"/>
-              <a:t>3/11/2024</a:t>
+              <a:t>3/16/2024</a:t>
             </a:fld>
             <a:endParaRPr lang="en-US"/>
           </a:p>
@@ -679,7 +679,7 @@
           <a:p>
             <a:fld id="{58BC8326-6227-4FBE-9422-7F663EE8D68A}" type="datetimeFigureOut">
               <a:rPr lang="en-US" smtClean="0"/>
-              <a:t>3/11/2024</a:t>
+              <a:t>3/16/2024</a:t>
             </a:fld>
             <a:endParaRPr lang="en-US"/>
           </a:p>
@@ -877,7 +877,7 @@
           <a:p>
             <a:fld id="{58BC8326-6227-4FBE-9422-7F663EE8D68A}" type="datetimeFigureOut">
               <a:rPr lang="en-US" smtClean="0"/>
-              <a:t>3/11/2024</a:t>
+              <a:t>3/16/2024</a:t>
             </a:fld>
             <a:endParaRPr lang="en-US"/>
           </a:p>
@@ -1152,7 +1152,7 @@
           <a:p>
             <a:fld id="{58BC8326-6227-4FBE-9422-7F663EE8D68A}" type="datetimeFigureOut">
               <a:rPr lang="en-US" smtClean="0"/>
-              <a:t>3/11/2024</a:t>
+              <a:t>3/16/2024</a:t>
             </a:fld>
             <a:endParaRPr lang="en-US"/>
           </a:p>
@@ -1417,7 +1417,7 @@
           <a:p>
             <a:fld id="{58BC8326-6227-4FBE-9422-7F663EE8D68A}" type="datetimeFigureOut">
               <a:rPr lang="en-US" smtClean="0"/>
-              <a:t>3/11/2024</a:t>
+              <a:t>3/16/2024</a:t>
             </a:fld>
             <a:endParaRPr lang="en-US"/>
           </a:p>
@@ -1829,7 +1829,7 @@
           <a:p>
             <a:fld id="{58BC8326-6227-4FBE-9422-7F663EE8D68A}" type="datetimeFigureOut">
               <a:rPr lang="en-US" smtClean="0"/>
-              <a:t>3/11/2024</a:t>
+              <a:t>3/16/2024</a:t>
             </a:fld>
             <a:endParaRPr lang="en-US"/>
           </a:p>
@@ -1970,7 +1970,7 @@
           <a:p>
             <a:fld id="{58BC8326-6227-4FBE-9422-7F663EE8D68A}" type="datetimeFigureOut">
               <a:rPr lang="en-US" smtClean="0"/>
-              <a:t>3/11/2024</a:t>
+              <a:t>3/16/2024</a:t>
             </a:fld>
             <a:endParaRPr lang="en-US"/>
           </a:p>
@@ -2083,7 +2083,7 @@
           <a:p>
             <a:fld id="{58BC8326-6227-4FBE-9422-7F663EE8D68A}" type="datetimeFigureOut">
               <a:rPr lang="en-US" smtClean="0"/>
-              <a:t>3/11/2024</a:t>
+              <a:t>3/16/2024</a:t>
             </a:fld>
             <a:endParaRPr lang="en-US"/>
           </a:p>
@@ -2394,7 +2394,7 @@
           <a:p>
             <a:fld id="{58BC8326-6227-4FBE-9422-7F663EE8D68A}" type="datetimeFigureOut">
               <a:rPr lang="en-US" smtClean="0"/>
-              <a:t>3/11/2024</a:t>
+              <a:t>3/16/2024</a:t>
             </a:fld>
             <a:endParaRPr lang="en-US"/>
           </a:p>
@@ -2682,7 +2682,7 @@
           <a:p>
             <a:fld id="{58BC8326-6227-4FBE-9422-7F663EE8D68A}" type="datetimeFigureOut">
               <a:rPr lang="en-US" smtClean="0"/>
-              <a:t>3/11/2024</a:t>
+              <a:t>3/16/2024</a:t>
             </a:fld>
             <a:endParaRPr lang="en-US"/>
           </a:p>
@@ -2923,7 +2923,7 @@
           <a:p>
             <a:fld id="{58BC8326-6227-4FBE-9422-7F663EE8D68A}" type="datetimeFigureOut">
               <a:rPr lang="en-US" smtClean="0"/>
-              <a:t>3/11/2024</a:t>
+              <a:t>3/16/2024</a:t>
             </a:fld>
             <a:endParaRPr lang="en-US"/>
           </a:p>
@@ -4730,7 +4730,7 @@
         <p:spPr>
           <a:xfrm>
             <a:off x="1174955" y="1906994"/>
-            <a:ext cx="9842090" cy="2739211"/>
+            <a:ext cx="9842090" cy="2862322"/>
           </a:xfrm>
           <a:prstGeom prst="rect">
             <a:avLst/>
@@ -4777,7 +4777,22 @@
                 <a:latin typeface="IRANSans UltraLight" panose="020B0506030804020204" pitchFamily="34" charset="-78"/>
                 <a:cs typeface="IRANSans UltraLight" panose="020B0506030804020204" pitchFamily="34" charset="-78"/>
               </a:rPr>
-              <a:t>یک رمزگذاری مبتنی بر </a:t>
+              <a:t>یک </a:t>
+            </a:r>
+            <a:r>
+              <a:rPr lang="fa-IR" sz="2000" dirty="0">
+                <a:latin typeface="IRANSans UltraLight" panose="020B0506030804020204" pitchFamily="34" charset="-78"/>
+                <a:cs typeface="IRANSans UltraLight" panose="020B0506030804020204" pitchFamily="34" charset="-78"/>
+              </a:rPr>
+              <a:t>زبان برای توصیف شی سه بعدی</a:t>
+            </a:r>
+            <a:r>
+              <a:rPr lang="fa-IR" sz="2000" b="0" i="0" dirty="0">
+                <a:effectLst/>
+                <a:latin typeface="IRANSans UltraLight" panose="020B0506030804020204" pitchFamily="34" charset="-78"/>
+                <a:cs typeface="IRANSans UltraLight" panose="020B0506030804020204" pitchFamily="34" charset="-78"/>
+              </a:rPr>
+              <a:t> مبتنی بر </a:t>
             </a:r>
             <a:r>
               <a:rPr lang="en-US" sz="2800" b="0" i="0" dirty="0">
